--- a/Presentation LabChat.pptx
+++ b/Presentation LabChat.pptx
@@ -10,9 +10,11 @@
     <p:sldId id="258" r:id="rId4"/>
     <p:sldId id="263" r:id="rId5"/>
     <p:sldId id="259" r:id="rId6"/>
-    <p:sldId id="260" r:id="rId7"/>
-    <p:sldId id="261" r:id="rId8"/>
-    <p:sldId id="262" r:id="rId9"/>
+    <p:sldId id="264" r:id="rId7"/>
+    <p:sldId id="265" r:id="rId8"/>
+    <p:sldId id="260" r:id="rId9"/>
+    <p:sldId id="261" r:id="rId10"/>
+    <p:sldId id="262" r:id="rId11"/>
   </p:sldIdLst>
   <p:sldSz cx="12192000" cy="6858000"/>
   <p:notesSz cx="6858000" cy="9144000"/>
@@ -3438,6 +3440,235 @@
 </p:sld>
 </file>
 
+<file path=ppt/slides/slide10.xml><?xml version="1.0" encoding="utf-8"?>
+<p:sld xmlns:a="http://schemas.openxmlformats.org/drawingml/2006/main" xmlns:r="http://schemas.openxmlformats.org/officeDocument/2006/relationships" xmlns:p="http://schemas.openxmlformats.org/presentationml/2006/main">
+  <p:cSld>
+    <p:spTree>
+      <p:nvGrpSpPr>
+        <p:cNvPr id="1" name=""/>
+        <p:cNvGrpSpPr/>
+        <p:nvPr/>
+      </p:nvGrpSpPr>
+      <p:grpSpPr>
+        <a:xfrm>
+          <a:off x="0" y="0"/>
+          <a:ext cx="0" cy="0"/>
+          <a:chOff x="0" y="0"/>
+          <a:chExt cx="0" cy="0"/>
+        </a:xfrm>
+      </p:grpSpPr>
+      <p:sp>
+        <p:nvSpPr>
+          <p:cNvPr id="2" name="Titel 1">
+            <a:extLst>
+              <a:ext uri="{FF2B5EF4-FFF2-40B4-BE49-F238E27FC236}">
+                <a16:creationId xmlns:a16="http://schemas.microsoft.com/office/drawing/2014/main" id="{DD98928F-9DEA-46B5-B112-04778A64A7F6}"/>
+              </a:ext>
+            </a:extLst>
+          </p:cNvPr>
+          <p:cNvSpPr>
+            <a:spLocks noGrp="1"/>
+          </p:cNvSpPr>
+          <p:nvPr>
+            <p:ph type="ctrTitle"/>
+          </p:nvPr>
+        </p:nvSpPr>
+        <p:spPr>
+          <a:xfrm>
+            <a:off x="202555" y="6250328"/>
+            <a:ext cx="1535575" cy="465821"/>
+          </a:xfrm>
+        </p:spPr>
+        <p:txBody>
+          <a:bodyPr>
+            <a:normAutofit fontScale="90000"/>
+          </a:bodyPr>
+          <a:lstStyle/>
+          <a:p>
+            <a:r>
+              <a:rPr lang="de-DE" sz="2800" dirty="0" err="1">
+                <a:latin typeface="Arial" panose="020B0604020202020204" pitchFamily="34" charset="0"/>
+                <a:ea typeface="Verdana" panose="020B0604030504040204" pitchFamily="34" charset="0"/>
+                <a:cs typeface="Arial" panose="020B0604020202020204" pitchFamily="34" charset="0"/>
+              </a:rPr>
+              <a:t>Lab</a:t>
+            </a:r>
+            <a:r>
+              <a:rPr lang="de-DE" sz="2800" dirty="0" err="1">
+                <a:solidFill>
+                  <a:schemeClr val="bg2">
+                    <a:lumMod val="75000"/>
+                  </a:schemeClr>
+                </a:solidFill>
+                <a:latin typeface="Arial" panose="020B0604020202020204" pitchFamily="34" charset="0"/>
+                <a:ea typeface="Verdana" panose="020B0604030504040204" pitchFamily="34" charset="0"/>
+                <a:cs typeface="Arial" panose="020B0604020202020204" pitchFamily="34" charset="0"/>
+              </a:rPr>
+              <a:t>Chat</a:t>
+            </a:r>
+            <a:endParaRPr lang="de-DE" sz="2800" dirty="0">
+              <a:solidFill>
+                <a:schemeClr val="bg2">
+                  <a:lumMod val="75000"/>
+                </a:schemeClr>
+              </a:solidFill>
+              <a:latin typeface="Arial" panose="020B0604020202020204" pitchFamily="34" charset="0"/>
+              <a:ea typeface="Verdana" panose="020B0604030504040204" pitchFamily="34" charset="0"/>
+              <a:cs typeface="Arial" panose="020B0604020202020204" pitchFamily="34" charset="0"/>
+            </a:endParaRPr>
+          </a:p>
+        </p:txBody>
+      </p:sp>
+      <p:sp>
+        <p:nvSpPr>
+          <p:cNvPr id="3" name="Untertitel 2">
+            <a:extLst>
+              <a:ext uri="{FF2B5EF4-FFF2-40B4-BE49-F238E27FC236}">
+                <a16:creationId xmlns:a16="http://schemas.microsoft.com/office/drawing/2014/main" id="{C45809FD-01F6-4C0E-B465-7B8F68958D5E}"/>
+              </a:ext>
+            </a:extLst>
+          </p:cNvPr>
+          <p:cNvSpPr>
+            <a:spLocks noGrp="1"/>
+          </p:cNvSpPr>
+          <p:nvPr>
+            <p:ph type="subTitle" idx="1"/>
+          </p:nvPr>
+        </p:nvSpPr>
+        <p:spPr>
+          <a:xfrm>
+            <a:off x="4369443" y="6250328"/>
+            <a:ext cx="8011610" cy="397015"/>
+          </a:xfrm>
+        </p:spPr>
+        <p:txBody>
+          <a:bodyPr>
+            <a:normAutofit fontScale="92500" lnSpcReduction="10000"/>
+          </a:bodyPr>
+          <a:lstStyle/>
+          <a:p>
+            <a:r>
+              <a:rPr lang="en-US" sz="2500" dirty="0"/>
+              <a:t>Hanna Schulze, Oliver Wagner //Cloud Computing WS 18/19</a:t>
+            </a:r>
+            <a:endParaRPr lang="de-DE" sz="2500" dirty="0"/>
+          </a:p>
+        </p:txBody>
+      </p:sp>
+      <p:sp>
+        <p:nvSpPr>
+          <p:cNvPr id="4" name="Textfeld 3">
+            <a:extLst>
+              <a:ext uri="{FF2B5EF4-FFF2-40B4-BE49-F238E27FC236}">
+                <a16:creationId xmlns:a16="http://schemas.microsoft.com/office/drawing/2014/main" id="{782AAED0-DC2A-4D84-9A4E-78FC3EC2034E}"/>
+              </a:ext>
+            </a:extLst>
+          </p:cNvPr>
+          <p:cNvSpPr txBox="1"/>
+          <p:nvPr/>
+        </p:nvSpPr>
+        <p:spPr>
+          <a:xfrm>
+            <a:off x="341453" y="335666"/>
+            <a:ext cx="7656653" cy="830997"/>
+          </a:xfrm>
+          <a:prstGeom prst="rect">
+            <a:avLst/>
+          </a:prstGeom>
+          <a:noFill/>
+        </p:spPr>
+        <p:txBody>
+          <a:bodyPr wrap="square" rtlCol="0">
+            <a:spAutoFit/>
+          </a:bodyPr>
+          <a:lstStyle/>
+          <a:p>
+            <a:r>
+              <a:rPr lang="en-US" sz="4800" dirty="0">
+                <a:latin typeface="+mj-lt"/>
+              </a:rPr>
+              <a:t>Live Demo</a:t>
+            </a:r>
+            <a:endParaRPr lang="de-DE" sz="4800" dirty="0">
+              <a:latin typeface="+mj-lt"/>
+            </a:endParaRPr>
+          </a:p>
+        </p:txBody>
+      </p:sp>
+      <p:sp>
+        <p:nvSpPr>
+          <p:cNvPr id="5" name="Textfeld 4">
+            <a:extLst>
+              <a:ext uri="{FF2B5EF4-FFF2-40B4-BE49-F238E27FC236}">
+                <a16:creationId xmlns:a16="http://schemas.microsoft.com/office/drawing/2014/main" id="{28A52866-EF96-4F86-8B15-A877A4BBA5A6}"/>
+              </a:ext>
+            </a:extLst>
+          </p:cNvPr>
+          <p:cNvSpPr txBox="1"/>
+          <p:nvPr/>
+        </p:nvSpPr>
+        <p:spPr>
+          <a:xfrm>
+            <a:off x="3246699" y="2644170"/>
+            <a:ext cx="8351133" cy="1569660"/>
+          </a:xfrm>
+          <a:prstGeom prst="rect">
+            <a:avLst/>
+          </a:prstGeom>
+          <a:noFill/>
+        </p:spPr>
+        <p:txBody>
+          <a:bodyPr wrap="square" rtlCol="0">
+            <a:spAutoFit/>
+          </a:bodyPr>
+          <a:lstStyle/>
+          <a:p>
+            <a:r>
+              <a:rPr lang="en-US" sz="4800" dirty="0">
+                <a:solidFill>
+                  <a:schemeClr val="tx1">
+                    <a:lumMod val="95000"/>
+                    <a:lumOff val="5000"/>
+                  </a:schemeClr>
+                </a:solidFill>
+                <a:hlinkClick r:id="rId2"/>
+              </a:rPr>
+              <a:t>https://localhost:3001</a:t>
+            </a:r>
+            <a:endParaRPr lang="en-US" sz="4800" dirty="0">
+              <a:solidFill>
+                <a:schemeClr val="tx1">
+                  <a:lumMod val="95000"/>
+                  <a:lumOff val="5000"/>
+                </a:schemeClr>
+              </a:solidFill>
+            </a:endParaRPr>
+          </a:p>
+          <a:p>
+            <a:endParaRPr lang="de-DE" sz="4800" dirty="0">
+              <a:solidFill>
+                <a:schemeClr val="tx1">
+                  <a:lumMod val="95000"/>
+                  <a:lumOff val="5000"/>
+                </a:schemeClr>
+              </a:solidFill>
+            </a:endParaRPr>
+          </a:p>
+        </p:txBody>
+      </p:sp>
+    </p:spTree>
+    <p:extLst>
+      <p:ext uri="{BB962C8B-B14F-4D97-AF65-F5344CB8AC3E}">
+        <p14:creationId xmlns:p14="http://schemas.microsoft.com/office/powerpoint/2010/main" val="1616391531"/>
+      </p:ext>
+    </p:extLst>
+  </p:cSld>
+  <p:clrMapOvr>
+    <a:masterClrMapping/>
+  </p:clrMapOvr>
+</p:sld>
+</file>
+
 <file path=ppt/slides/slide2.xml><?xml version="1.0" encoding="utf-8"?>
 <p:sld xmlns:a="http://schemas.openxmlformats.org/drawingml/2006/main" xmlns:r="http://schemas.openxmlformats.org/officeDocument/2006/relationships" xmlns:p="http://schemas.openxmlformats.org/presentationml/2006/main">
   <p:cSld>
@@ -3608,7 +3839,7 @@
         <p:spPr>
           <a:xfrm>
             <a:off x="970342" y="1275595"/>
-            <a:ext cx="7558269" cy="2862322"/>
+            <a:ext cx="7558269" cy="3970318"/>
           </a:xfrm>
           <a:prstGeom prst="rect">
             <a:avLst/>
@@ -3638,6 +3869,26 @@
             <a:r>
               <a:rPr lang="en-US" sz="3600" dirty="0"/>
               <a:t>Component Diagram</a:t>
+            </a:r>
+          </a:p>
+          <a:p>
+            <a:pPr marL="285750" indent="-285750">
+              <a:buFont typeface="Arial" panose="020B0604020202020204" pitchFamily="34" charset="0"/>
+              <a:buChar char="•"/>
+            </a:pPr>
+            <a:r>
+              <a:rPr lang="en-US" sz="3600" dirty="0"/>
+              <a:t>Mockups</a:t>
+            </a:r>
+          </a:p>
+          <a:p>
+            <a:pPr marL="285750" indent="-285750">
+              <a:buFont typeface="Arial" panose="020B0604020202020204" pitchFamily="34" charset="0"/>
+              <a:buChar char="•"/>
+            </a:pPr>
+            <a:r>
+              <a:rPr lang="en-US" sz="3600" dirty="0"/>
+              <a:t>Lesson learnt</a:t>
             </a:r>
           </a:p>
           <a:p>
@@ -4428,7 +4679,7 @@
         <p:spPr>
           <a:xfrm>
             <a:off x="341453" y="335666"/>
-            <a:ext cx="10301469" cy="830997"/>
+            <a:ext cx="7656653" cy="830997"/>
           </a:xfrm>
           <a:prstGeom prst="rect">
             <a:avLst/>
@@ -4445,7 +4696,7 @@
               <a:rPr lang="en-US" sz="4800" dirty="0">
                 <a:latin typeface="+mj-lt"/>
               </a:rPr>
-              <a:t>Node Modules</a:t>
+              <a:t>Lesson learnt</a:t>
             </a:r>
             <a:endParaRPr lang="de-DE" sz="4800" dirty="0">
               <a:latin typeface="+mj-lt"/>
@@ -4455,10 +4706,10 @@
       </p:sp>
       <p:sp>
         <p:nvSpPr>
-          <p:cNvPr id="5" name="Textfeld 4">
-            <a:extLst>
-              <a:ext uri="{FF2B5EF4-FFF2-40B4-BE49-F238E27FC236}">
-                <a16:creationId xmlns:a16="http://schemas.microsoft.com/office/drawing/2014/main" id="{C0909279-3ED4-4856-BE24-EE2C77ACEE73}"/>
+          <p:cNvPr id="12" name="Textfeld 11">
+            <a:extLst>
+              <a:ext uri="{FF2B5EF4-FFF2-40B4-BE49-F238E27FC236}">
+                <a16:creationId xmlns:a16="http://schemas.microsoft.com/office/drawing/2014/main" id="{48263117-6D53-4D27-AB30-C66E4B952F16}"/>
               </a:ext>
             </a:extLst>
           </p:cNvPr>
@@ -4467,8 +4718,8 @@
         </p:nvSpPr>
         <p:spPr>
           <a:xfrm>
-            <a:off x="970342" y="1275595"/>
-            <a:ext cx="10106630" cy="4832092"/>
+            <a:off x="399327" y="1302152"/>
+            <a:ext cx="11181144" cy="3539430"/>
           </a:xfrm>
           <a:prstGeom prst="rect">
             <a:avLst/>
@@ -4486,19 +4737,16 @@
               <a:buChar char="•"/>
             </a:pPr>
             <a:r>
-              <a:rPr lang="en-US" sz="2800" dirty="0"/>
-              <a:t>express</a:t>
+              <a:rPr lang="en-US" sz="3200" dirty="0"/>
+              <a:t>Understanding the basics and functionalities of socket.io and express</a:t>
             </a:r>
             <a:br>
-              <a:rPr lang="en-US" sz="2800" dirty="0"/>
+              <a:rPr lang="en-US" sz="3200" dirty="0"/>
             </a:br>
             <a:r>
-              <a:rPr lang="en-US" sz="2800" dirty="0">
-                <a:hlinkClick r:id="rId2"/>
-              </a:rPr>
-              <a:t>https://www.npmjs.com/package/express</a:t>
-            </a:r>
-            <a:endParaRPr lang="en-US" sz="2800" dirty="0"/>
+              <a:rPr lang="en-US" sz="3200" dirty="0"/>
+              <a:t>(sending information from the server to the client and back)</a:t>
+            </a:r>
           </a:p>
           <a:p>
             <a:pPr marL="285750" indent="-285750">
@@ -4506,19 +4754,9 @@
               <a:buChar char="•"/>
             </a:pPr>
             <a:r>
-              <a:rPr lang="en-US" sz="2800" dirty="0" err="1"/>
-              <a:t>dateformat</a:t>
-            </a:r>
-            <a:br>
-              <a:rPr lang="en-US" sz="2800" dirty="0"/>
-            </a:br>
-            <a:r>
-              <a:rPr lang="en-US" sz="2800" dirty="0">
-                <a:hlinkClick r:id="rId3"/>
-              </a:rPr>
-              <a:t>https://www.npmjs.com/package/dateformat</a:t>
-            </a:r>
-            <a:endParaRPr lang="en-US" sz="2800" dirty="0"/>
+              <a:rPr lang="en-US" sz="3200" dirty="0"/>
+              <a:t>Working with Nodejs, jQuery and Bootstrap</a:t>
+            </a:r>
           </a:p>
           <a:p>
             <a:pPr marL="285750" indent="-285750">
@@ -4526,73 +4764,30 @@
               <a:buChar char="•"/>
             </a:pPr>
             <a:r>
-              <a:rPr lang="en-US" sz="2800" dirty="0"/>
-              <a:t>fs</a:t>
-            </a:r>
-            <a:br>
-              <a:rPr lang="en-US" sz="2800" dirty="0"/>
-            </a:br>
-            <a:r>
-              <a:rPr lang="en-US" sz="2800" dirty="0">
-                <a:hlinkClick r:id="rId4"/>
-              </a:rPr>
-              <a:t>https://nodejs.org/api/fs.html</a:t>
-            </a:r>
-            <a:endParaRPr lang="en-US" sz="2800" dirty="0"/>
+              <a:rPr lang="en-US" sz="3200" dirty="0"/>
+              <a:t>Dealing with files and base64-encoding</a:t>
+            </a:r>
           </a:p>
           <a:p>
             <a:pPr marL="285750" indent="-285750">
               <a:buFont typeface="Arial" panose="020B0604020202020204" pitchFamily="34" charset="0"/>
               <a:buChar char="•"/>
             </a:pPr>
-            <a:r>
-              <a:rPr lang="en-US" sz="2800" dirty="0"/>
-              <a:t>https</a:t>
-            </a:r>
-            <a:br>
-              <a:rPr lang="en-US" sz="2800" dirty="0"/>
-            </a:br>
-            <a:r>
-              <a:rPr lang="en-US" sz="2800" dirty="0">
-                <a:hlinkClick r:id="rId5"/>
-              </a:rPr>
-              <a:t>https://nodejs.org/api/https.html</a:t>
-            </a:r>
-            <a:endParaRPr lang="en-US" sz="2800" dirty="0"/>
+            <a:endParaRPr lang="en-US" sz="3200" dirty="0"/>
           </a:p>
           <a:p>
             <a:pPr marL="285750" indent="-285750">
               <a:buFont typeface="Arial" panose="020B0604020202020204" pitchFamily="34" charset="0"/>
               <a:buChar char="•"/>
             </a:pPr>
-            <a:r>
-              <a:rPr lang="en-US" sz="2800" dirty="0"/>
-              <a:t>socket.io</a:t>
-            </a:r>
-            <a:br>
-              <a:rPr lang="en-US" sz="2800" dirty="0"/>
-            </a:br>
-            <a:r>
-              <a:rPr lang="en-US" sz="2800" dirty="0">
-                <a:hlinkClick r:id="rId6"/>
-              </a:rPr>
-              <a:t>https://socket.io</a:t>
-            </a:r>
-            <a:endParaRPr lang="en-US" sz="2800" dirty="0"/>
-          </a:p>
-          <a:p>
-            <a:pPr marL="285750" indent="-285750">
-              <a:buFont typeface="Arial" panose="020B0604020202020204" pitchFamily="34" charset="0"/>
-              <a:buChar char="•"/>
-            </a:pPr>
-            <a:endParaRPr lang="en-US" sz="2800" dirty="0"/>
+            <a:endParaRPr lang="de-DE" sz="3200" dirty="0"/>
           </a:p>
         </p:txBody>
       </p:sp>
     </p:spTree>
     <p:extLst>
       <p:ext uri="{BB962C8B-B14F-4D97-AF65-F5344CB8AC3E}">
-        <p14:creationId xmlns:p14="http://schemas.microsoft.com/office/powerpoint/2010/main" val="1665875960"/>
+        <p14:creationId xmlns:p14="http://schemas.microsoft.com/office/powerpoint/2010/main" val="1645894920"/>
       </p:ext>
     </p:extLst>
   </p:cSld>
@@ -4732,7 +4927,7 @@
         <p:spPr>
           <a:xfrm>
             <a:off x="341453" y="335666"/>
-            <a:ext cx="10301469" cy="830997"/>
+            <a:ext cx="7656653" cy="830997"/>
           </a:xfrm>
           <a:prstGeom prst="rect">
             <a:avLst/>
@@ -4749,7 +4944,7 @@
               <a:rPr lang="en-US" sz="4800" dirty="0">
                 <a:latin typeface="+mj-lt"/>
               </a:rPr>
-              <a:t>Frameworks &amp; jQuery Plugins</a:t>
+              <a:t>Mockups</a:t>
             </a:r>
             <a:endParaRPr lang="de-DE" sz="4800" dirty="0">
               <a:latin typeface="+mj-lt"/>
@@ -4757,106 +4952,118 @@
           </a:p>
         </p:txBody>
       </p:sp>
-      <p:sp>
-        <p:nvSpPr>
-          <p:cNvPr id="5" name="Textfeld 4">
-            <a:extLst>
-              <a:ext uri="{FF2B5EF4-FFF2-40B4-BE49-F238E27FC236}">
-                <a16:creationId xmlns:a16="http://schemas.microsoft.com/office/drawing/2014/main" id="{C0909279-3ED4-4856-BE24-EE2C77ACEE73}"/>
-              </a:ext>
-            </a:extLst>
-          </p:cNvPr>
-          <p:cNvSpPr txBox="1"/>
+      <p:pic>
+        <p:nvPicPr>
+          <p:cNvPr id="7" name="Grafik 6">
+            <a:extLst>
+              <a:ext uri="{FF2B5EF4-FFF2-40B4-BE49-F238E27FC236}">
+                <a16:creationId xmlns:a16="http://schemas.microsoft.com/office/drawing/2014/main" id="{40901D97-E826-4274-A862-D643823B55E9}"/>
+              </a:ext>
+            </a:extLst>
+          </p:cNvPr>
+          <p:cNvPicPr>
+            <a:picLocks noChangeAspect="1"/>
+          </p:cNvPicPr>
           <p:nvPr/>
-        </p:nvSpPr>
-        <p:spPr>
-          <a:xfrm>
-            <a:off x="970342" y="1275595"/>
-            <a:ext cx="10106630" cy="3108543"/>
+        </p:nvPicPr>
+        <p:blipFill>
+          <a:blip r:embed="rId2">
+            <a:extLst>
+              <a:ext uri="{28A0092B-C50C-407E-A947-70E740481C1C}">
+                <a14:useLocalDpi xmlns:a14="http://schemas.microsoft.com/office/drawing/2010/main" val="0"/>
+              </a:ext>
+            </a:extLst>
+          </a:blip>
+          <a:stretch>
+            <a:fillRect/>
+          </a:stretch>
+        </p:blipFill>
+        <p:spPr>
+          <a:xfrm>
+            <a:off x="581676" y="1729555"/>
+            <a:ext cx="5119771" cy="3202779"/>
           </a:xfrm>
           <a:prstGeom prst="rect">
             <a:avLst/>
           </a:prstGeom>
-          <a:noFill/>
-        </p:spPr>
-        <p:txBody>
-          <a:bodyPr wrap="square" rtlCol="0">
-            <a:spAutoFit/>
-          </a:bodyPr>
-          <a:lstStyle/>
-          <a:p>
-            <a:pPr marL="285750" indent="-285750">
-              <a:buFont typeface="Arial" panose="020B0604020202020204" pitchFamily="34" charset="0"/>
-              <a:buChar char="•"/>
-            </a:pPr>
-            <a:r>
-              <a:rPr lang="en-US" sz="2800" dirty="0"/>
-              <a:t>Bootstrap</a:t>
-            </a:r>
-            <a:br>
-              <a:rPr lang="en-US" sz="2800" dirty="0"/>
-            </a:br>
-            <a:r>
-              <a:rPr lang="en-US" sz="2800" dirty="0">
-                <a:hlinkClick r:id="rId2"/>
-              </a:rPr>
-              <a:t>https://getbootstrap.com/</a:t>
-            </a:r>
-            <a:endParaRPr lang="en-US" sz="2800" dirty="0"/>
-          </a:p>
-          <a:p>
-            <a:pPr marL="285750" indent="-285750">
-              <a:buFont typeface="Arial" panose="020B0604020202020204" pitchFamily="34" charset="0"/>
-              <a:buChar char="•"/>
-            </a:pPr>
-            <a:r>
-              <a:rPr lang="en-US" sz="2800" dirty="0" err="1"/>
-              <a:t>Fontawesome</a:t>
-            </a:r>
-            <a:br>
-              <a:rPr lang="en-US" sz="2800" dirty="0"/>
-            </a:br>
-            <a:r>
-              <a:rPr lang="en-US" sz="2800" dirty="0">
-                <a:hlinkClick r:id="rId3"/>
-              </a:rPr>
-              <a:t>https://fontawesome.com/</a:t>
-            </a:r>
-            <a:endParaRPr lang="en-US" sz="2800" dirty="0"/>
-          </a:p>
-          <a:p>
-            <a:pPr marL="285750" indent="-285750">
-              <a:buFont typeface="Arial" panose="020B0604020202020204" pitchFamily="34" charset="0"/>
-              <a:buChar char="•"/>
-            </a:pPr>
-            <a:r>
-              <a:rPr lang="en-US" sz="2800" dirty="0"/>
-              <a:t>CSS Emoticons</a:t>
-            </a:r>
-            <a:br>
-              <a:rPr lang="en-US" sz="2800" dirty="0"/>
-            </a:br>
-            <a:r>
-              <a:rPr lang="en-US" sz="2800" dirty="0">
-                <a:hlinkClick r:id="rId4"/>
-              </a:rPr>
-              <a:t>https://os.alfajango.com/css-emoticons/</a:t>
-            </a:r>
-            <a:endParaRPr lang="en-US" sz="2800" dirty="0"/>
-          </a:p>
-          <a:p>
-            <a:pPr marL="285750" indent="-285750">
-              <a:buFont typeface="Arial" panose="020B0604020202020204" pitchFamily="34" charset="0"/>
-              <a:buChar char="•"/>
-            </a:pPr>
-            <a:endParaRPr lang="en-US" sz="2800" dirty="0"/>
-          </a:p>
-        </p:txBody>
-      </p:sp>
+        </p:spPr>
+      </p:pic>
+      <p:pic>
+        <p:nvPicPr>
+          <p:cNvPr id="9" name="Grafik 8">
+            <a:extLst>
+              <a:ext uri="{FF2B5EF4-FFF2-40B4-BE49-F238E27FC236}">
+                <a16:creationId xmlns:a16="http://schemas.microsoft.com/office/drawing/2014/main" id="{D9792266-2970-467D-8DCA-BF1D2DBFBB95}"/>
+              </a:ext>
+            </a:extLst>
+          </p:cNvPr>
+          <p:cNvPicPr>
+            <a:picLocks noChangeAspect="1"/>
+          </p:cNvPicPr>
+          <p:nvPr/>
+        </p:nvPicPr>
+        <p:blipFill>
+          <a:blip r:embed="rId3">
+            <a:extLst>
+              <a:ext uri="{28A0092B-C50C-407E-A947-70E740481C1C}">
+                <a14:useLocalDpi xmlns:a14="http://schemas.microsoft.com/office/drawing/2010/main" val="0"/>
+              </a:ext>
+            </a:extLst>
+          </a:blip>
+          <a:stretch>
+            <a:fillRect/>
+          </a:stretch>
+        </p:blipFill>
+        <p:spPr>
+          <a:xfrm>
+            <a:off x="5941669" y="636115"/>
+            <a:ext cx="3948837" cy="2470277"/>
+          </a:xfrm>
+          <a:prstGeom prst="rect">
+            <a:avLst/>
+          </a:prstGeom>
+        </p:spPr>
+      </p:pic>
+      <p:pic>
+        <p:nvPicPr>
+          <p:cNvPr id="11" name="Grafik 10">
+            <a:extLst>
+              <a:ext uri="{FF2B5EF4-FFF2-40B4-BE49-F238E27FC236}">
+                <a16:creationId xmlns:a16="http://schemas.microsoft.com/office/drawing/2014/main" id="{781CE676-DB5C-41C3-9431-CCD885E008E9}"/>
+              </a:ext>
+            </a:extLst>
+          </p:cNvPr>
+          <p:cNvPicPr>
+            <a:picLocks noChangeAspect="1"/>
+          </p:cNvPicPr>
+          <p:nvPr/>
+        </p:nvPicPr>
+        <p:blipFill>
+          <a:blip r:embed="rId4">
+            <a:extLst>
+              <a:ext uri="{28A0092B-C50C-407E-A947-70E740481C1C}">
+                <a14:useLocalDpi xmlns:a14="http://schemas.microsoft.com/office/drawing/2010/main" val="0"/>
+              </a:ext>
+            </a:extLst>
+          </a:blip>
+          <a:stretch>
+            <a:fillRect/>
+          </a:stretch>
+        </p:blipFill>
+        <p:spPr>
+          <a:xfrm>
+            <a:off x="5941669" y="3330945"/>
+            <a:ext cx="3948837" cy="2470277"/>
+          </a:xfrm>
+          <a:prstGeom prst="rect">
+            <a:avLst/>
+          </a:prstGeom>
+        </p:spPr>
+      </p:pic>
     </p:spTree>
     <p:extLst>
       <p:ext uri="{BB962C8B-B14F-4D97-AF65-F5344CB8AC3E}">
-        <p14:creationId xmlns:p14="http://schemas.microsoft.com/office/powerpoint/2010/main" val="2040665033"/>
+        <p14:creationId xmlns:p14="http://schemas.microsoft.com/office/powerpoint/2010/main" val="956575879"/>
       </p:ext>
     </p:extLst>
   </p:cSld>
@@ -4996,7 +5203,7 @@
         <p:spPr>
           <a:xfrm>
             <a:off x="341453" y="335666"/>
-            <a:ext cx="7656653" cy="830997"/>
+            <a:ext cx="10301469" cy="830997"/>
           </a:xfrm>
           <a:prstGeom prst="rect">
             <a:avLst/>
@@ -5013,7 +5220,7 @@
               <a:rPr lang="en-US" sz="4800" dirty="0">
                 <a:latin typeface="+mj-lt"/>
               </a:rPr>
-              <a:t>Live Demo</a:t>
+              <a:t>Node Modules</a:t>
             </a:r>
             <a:endParaRPr lang="de-DE" sz="4800" dirty="0">
               <a:latin typeface="+mj-lt"/>
@@ -5026,7 +5233,7 @@
           <p:cNvPr id="5" name="Textfeld 4">
             <a:extLst>
               <a:ext uri="{FF2B5EF4-FFF2-40B4-BE49-F238E27FC236}">
-                <a16:creationId xmlns:a16="http://schemas.microsoft.com/office/drawing/2014/main" id="{28A52866-EF96-4F86-8B15-A877A4BBA5A6}"/>
+                <a16:creationId xmlns:a16="http://schemas.microsoft.com/office/drawing/2014/main" id="{C0909279-3ED4-4856-BE24-EE2C77ACEE73}"/>
               </a:ext>
             </a:extLst>
           </p:cNvPr>
@@ -5035,8 +5242,8 @@
         </p:nvSpPr>
         <p:spPr>
           <a:xfrm>
-            <a:off x="3246699" y="2644170"/>
-            <a:ext cx="8351133" cy="1569660"/>
+            <a:off x="970342" y="1275595"/>
+            <a:ext cx="10106630" cy="4832092"/>
           </a:xfrm>
           <a:prstGeom prst="rect">
             <a:avLst/>
@@ -5049,43 +5256,382 @@
           </a:bodyPr>
           <a:lstStyle/>
           <a:p>
-            <a:r>
-              <a:rPr lang="en-US" sz="4800" dirty="0">
-                <a:solidFill>
-                  <a:schemeClr val="tx1">
-                    <a:lumMod val="95000"/>
-                    <a:lumOff val="5000"/>
-                  </a:schemeClr>
-                </a:solidFill>
+            <a:pPr marL="285750" indent="-285750">
+              <a:buFont typeface="Arial" panose="020B0604020202020204" pitchFamily="34" charset="0"/>
+              <a:buChar char="•"/>
+            </a:pPr>
+            <a:r>
+              <a:rPr lang="en-US" sz="2800" dirty="0"/>
+              <a:t>express</a:t>
+            </a:r>
+            <a:br>
+              <a:rPr lang="en-US" sz="2800" dirty="0"/>
+            </a:br>
+            <a:r>
+              <a:rPr lang="en-US" sz="2800" dirty="0">
                 <a:hlinkClick r:id="rId2"/>
               </a:rPr>
-              <a:t>https://localhost:3001</a:t>
-            </a:r>
-            <a:endParaRPr lang="en-US" sz="4800" dirty="0">
-              <a:solidFill>
-                <a:schemeClr val="tx1">
-                  <a:lumMod val="95000"/>
-                  <a:lumOff val="5000"/>
-                </a:schemeClr>
-              </a:solidFill>
-            </a:endParaRPr>
-          </a:p>
-          <a:p>
-            <a:endParaRPr lang="de-DE" sz="4800" dirty="0">
-              <a:solidFill>
-                <a:schemeClr val="tx1">
-                  <a:lumMod val="95000"/>
-                  <a:lumOff val="5000"/>
-                </a:schemeClr>
-              </a:solidFill>
-            </a:endParaRPr>
+              <a:t>https://www.npmjs.com/package/express</a:t>
+            </a:r>
+            <a:endParaRPr lang="en-US" sz="2800" dirty="0"/>
+          </a:p>
+          <a:p>
+            <a:pPr marL="285750" indent="-285750">
+              <a:buFont typeface="Arial" panose="020B0604020202020204" pitchFamily="34" charset="0"/>
+              <a:buChar char="•"/>
+            </a:pPr>
+            <a:r>
+              <a:rPr lang="en-US" sz="2800" dirty="0" err="1"/>
+              <a:t>dateformat</a:t>
+            </a:r>
+            <a:br>
+              <a:rPr lang="en-US" sz="2800" dirty="0"/>
+            </a:br>
+            <a:r>
+              <a:rPr lang="en-US" sz="2800" dirty="0">
+                <a:hlinkClick r:id="rId3"/>
+              </a:rPr>
+              <a:t>https://www.npmjs.com/package/dateformat</a:t>
+            </a:r>
+            <a:endParaRPr lang="en-US" sz="2800" dirty="0"/>
+          </a:p>
+          <a:p>
+            <a:pPr marL="285750" indent="-285750">
+              <a:buFont typeface="Arial" panose="020B0604020202020204" pitchFamily="34" charset="0"/>
+              <a:buChar char="•"/>
+            </a:pPr>
+            <a:r>
+              <a:rPr lang="en-US" sz="2800" dirty="0"/>
+              <a:t>fs</a:t>
+            </a:r>
+            <a:br>
+              <a:rPr lang="en-US" sz="2800" dirty="0"/>
+            </a:br>
+            <a:r>
+              <a:rPr lang="en-US" sz="2800" dirty="0">
+                <a:hlinkClick r:id="rId4"/>
+              </a:rPr>
+              <a:t>https://nodejs.org/api/fs.html</a:t>
+            </a:r>
+            <a:endParaRPr lang="en-US" sz="2800" dirty="0"/>
+          </a:p>
+          <a:p>
+            <a:pPr marL="285750" indent="-285750">
+              <a:buFont typeface="Arial" panose="020B0604020202020204" pitchFamily="34" charset="0"/>
+              <a:buChar char="•"/>
+            </a:pPr>
+            <a:r>
+              <a:rPr lang="en-US" sz="2800" dirty="0"/>
+              <a:t>https</a:t>
+            </a:r>
+            <a:br>
+              <a:rPr lang="en-US" sz="2800" dirty="0"/>
+            </a:br>
+            <a:r>
+              <a:rPr lang="en-US" sz="2800" dirty="0">
+                <a:hlinkClick r:id="rId5"/>
+              </a:rPr>
+              <a:t>https://nodejs.org/api/https.html</a:t>
+            </a:r>
+            <a:endParaRPr lang="en-US" sz="2800" dirty="0"/>
+          </a:p>
+          <a:p>
+            <a:pPr marL="285750" indent="-285750">
+              <a:buFont typeface="Arial" panose="020B0604020202020204" pitchFamily="34" charset="0"/>
+              <a:buChar char="•"/>
+            </a:pPr>
+            <a:r>
+              <a:rPr lang="en-US" sz="2800" dirty="0"/>
+              <a:t>socket.io</a:t>
+            </a:r>
+            <a:br>
+              <a:rPr lang="en-US" sz="2800" dirty="0"/>
+            </a:br>
+            <a:r>
+              <a:rPr lang="en-US" sz="2800" dirty="0">
+                <a:hlinkClick r:id="rId6"/>
+              </a:rPr>
+              <a:t>https://socket.io</a:t>
+            </a:r>
+            <a:endParaRPr lang="en-US" sz="2800" dirty="0"/>
+          </a:p>
+          <a:p>
+            <a:pPr marL="285750" indent="-285750">
+              <a:buFont typeface="Arial" panose="020B0604020202020204" pitchFamily="34" charset="0"/>
+              <a:buChar char="•"/>
+            </a:pPr>
+            <a:endParaRPr lang="en-US" sz="2800" dirty="0"/>
           </a:p>
         </p:txBody>
       </p:sp>
     </p:spTree>
     <p:extLst>
       <p:ext uri="{BB962C8B-B14F-4D97-AF65-F5344CB8AC3E}">
-        <p14:creationId xmlns:p14="http://schemas.microsoft.com/office/powerpoint/2010/main" val="1616391531"/>
+        <p14:creationId xmlns:p14="http://schemas.microsoft.com/office/powerpoint/2010/main" val="1665875960"/>
+      </p:ext>
+    </p:extLst>
+  </p:cSld>
+  <p:clrMapOvr>
+    <a:masterClrMapping/>
+  </p:clrMapOvr>
+</p:sld>
+</file>
+
+<file path=ppt/slides/slide9.xml><?xml version="1.0" encoding="utf-8"?>
+<p:sld xmlns:a="http://schemas.openxmlformats.org/drawingml/2006/main" xmlns:r="http://schemas.openxmlformats.org/officeDocument/2006/relationships" xmlns:p="http://schemas.openxmlformats.org/presentationml/2006/main">
+  <p:cSld>
+    <p:spTree>
+      <p:nvGrpSpPr>
+        <p:cNvPr id="1" name=""/>
+        <p:cNvGrpSpPr/>
+        <p:nvPr/>
+      </p:nvGrpSpPr>
+      <p:grpSpPr>
+        <a:xfrm>
+          <a:off x="0" y="0"/>
+          <a:ext cx="0" cy="0"/>
+          <a:chOff x="0" y="0"/>
+          <a:chExt cx="0" cy="0"/>
+        </a:xfrm>
+      </p:grpSpPr>
+      <p:sp>
+        <p:nvSpPr>
+          <p:cNvPr id="2" name="Titel 1">
+            <a:extLst>
+              <a:ext uri="{FF2B5EF4-FFF2-40B4-BE49-F238E27FC236}">
+                <a16:creationId xmlns:a16="http://schemas.microsoft.com/office/drawing/2014/main" id="{DD98928F-9DEA-46B5-B112-04778A64A7F6}"/>
+              </a:ext>
+            </a:extLst>
+          </p:cNvPr>
+          <p:cNvSpPr>
+            <a:spLocks noGrp="1"/>
+          </p:cNvSpPr>
+          <p:nvPr>
+            <p:ph type="ctrTitle"/>
+          </p:nvPr>
+        </p:nvSpPr>
+        <p:spPr>
+          <a:xfrm>
+            <a:off x="202555" y="6250328"/>
+            <a:ext cx="1535575" cy="465821"/>
+          </a:xfrm>
+        </p:spPr>
+        <p:txBody>
+          <a:bodyPr>
+            <a:normAutofit fontScale="90000"/>
+          </a:bodyPr>
+          <a:lstStyle/>
+          <a:p>
+            <a:r>
+              <a:rPr lang="de-DE" sz="2800" dirty="0" err="1">
+                <a:latin typeface="Arial" panose="020B0604020202020204" pitchFamily="34" charset="0"/>
+                <a:ea typeface="Verdana" panose="020B0604030504040204" pitchFamily="34" charset="0"/>
+                <a:cs typeface="Arial" panose="020B0604020202020204" pitchFamily="34" charset="0"/>
+              </a:rPr>
+              <a:t>Lab</a:t>
+            </a:r>
+            <a:r>
+              <a:rPr lang="de-DE" sz="2800" dirty="0" err="1">
+                <a:solidFill>
+                  <a:schemeClr val="bg2">
+                    <a:lumMod val="75000"/>
+                  </a:schemeClr>
+                </a:solidFill>
+                <a:latin typeface="Arial" panose="020B0604020202020204" pitchFamily="34" charset="0"/>
+                <a:ea typeface="Verdana" panose="020B0604030504040204" pitchFamily="34" charset="0"/>
+                <a:cs typeface="Arial" panose="020B0604020202020204" pitchFamily="34" charset="0"/>
+              </a:rPr>
+              <a:t>Chat</a:t>
+            </a:r>
+            <a:endParaRPr lang="de-DE" sz="2800" dirty="0">
+              <a:solidFill>
+                <a:schemeClr val="bg2">
+                  <a:lumMod val="75000"/>
+                </a:schemeClr>
+              </a:solidFill>
+              <a:latin typeface="Arial" panose="020B0604020202020204" pitchFamily="34" charset="0"/>
+              <a:ea typeface="Verdana" panose="020B0604030504040204" pitchFamily="34" charset="0"/>
+              <a:cs typeface="Arial" panose="020B0604020202020204" pitchFamily="34" charset="0"/>
+            </a:endParaRPr>
+          </a:p>
+        </p:txBody>
+      </p:sp>
+      <p:sp>
+        <p:nvSpPr>
+          <p:cNvPr id="3" name="Untertitel 2">
+            <a:extLst>
+              <a:ext uri="{FF2B5EF4-FFF2-40B4-BE49-F238E27FC236}">
+                <a16:creationId xmlns:a16="http://schemas.microsoft.com/office/drawing/2014/main" id="{C45809FD-01F6-4C0E-B465-7B8F68958D5E}"/>
+              </a:ext>
+            </a:extLst>
+          </p:cNvPr>
+          <p:cNvSpPr>
+            <a:spLocks noGrp="1"/>
+          </p:cNvSpPr>
+          <p:nvPr>
+            <p:ph type="subTitle" idx="1"/>
+          </p:nvPr>
+        </p:nvSpPr>
+        <p:spPr>
+          <a:xfrm>
+            <a:off x="4369443" y="6250328"/>
+            <a:ext cx="8011610" cy="397015"/>
+          </a:xfrm>
+        </p:spPr>
+        <p:txBody>
+          <a:bodyPr>
+            <a:normAutofit fontScale="92500" lnSpcReduction="10000"/>
+          </a:bodyPr>
+          <a:lstStyle/>
+          <a:p>
+            <a:r>
+              <a:rPr lang="en-US" sz="2500" dirty="0"/>
+              <a:t>Hanna Schulze, Oliver Wagner //Cloud Computing WS 18/19</a:t>
+            </a:r>
+            <a:endParaRPr lang="de-DE" sz="2500" dirty="0"/>
+          </a:p>
+        </p:txBody>
+      </p:sp>
+      <p:sp>
+        <p:nvSpPr>
+          <p:cNvPr id="4" name="Textfeld 3">
+            <a:extLst>
+              <a:ext uri="{FF2B5EF4-FFF2-40B4-BE49-F238E27FC236}">
+                <a16:creationId xmlns:a16="http://schemas.microsoft.com/office/drawing/2014/main" id="{782AAED0-DC2A-4D84-9A4E-78FC3EC2034E}"/>
+              </a:ext>
+            </a:extLst>
+          </p:cNvPr>
+          <p:cNvSpPr txBox="1"/>
+          <p:nvPr/>
+        </p:nvSpPr>
+        <p:spPr>
+          <a:xfrm>
+            <a:off x="341453" y="335666"/>
+            <a:ext cx="10301469" cy="830997"/>
+          </a:xfrm>
+          <a:prstGeom prst="rect">
+            <a:avLst/>
+          </a:prstGeom>
+          <a:noFill/>
+        </p:spPr>
+        <p:txBody>
+          <a:bodyPr wrap="square" rtlCol="0">
+            <a:spAutoFit/>
+          </a:bodyPr>
+          <a:lstStyle/>
+          <a:p>
+            <a:r>
+              <a:rPr lang="en-US" sz="4800" dirty="0">
+                <a:latin typeface="+mj-lt"/>
+              </a:rPr>
+              <a:t>Frameworks &amp; jQuery Plugins</a:t>
+            </a:r>
+            <a:endParaRPr lang="de-DE" sz="4800" dirty="0">
+              <a:latin typeface="+mj-lt"/>
+            </a:endParaRPr>
+          </a:p>
+        </p:txBody>
+      </p:sp>
+      <p:sp>
+        <p:nvSpPr>
+          <p:cNvPr id="5" name="Textfeld 4">
+            <a:extLst>
+              <a:ext uri="{FF2B5EF4-FFF2-40B4-BE49-F238E27FC236}">
+                <a16:creationId xmlns:a16="http://schemas.microsoft.com/office/drawing/2014/main" id="{C0909279-3ED4-4856-BE24-EE2C77ACEE73}"/>
+              </a:ext>
+            </a:extLst>
+          </p:cNvPr>
+          <p:cNvSpPr txBox="1"/>
+          <p:nvPr/>
+        </p:nvSpPr>
+        <p:spPr>
+          <a:xfrm>
+            <a:off x="970342" y="1275595"/>
+            <a:ext cx="10106630" cy="3108543"/>
+          </a:xfrm>
+          <a:prstGeom prst="rect">
+            <a:avLst/>
+          </a:prstGeom>
+          <a:noFill/>
+        </p:spPr>
+        <p:txBody>
+          <a:bodyPr wrap="square" rtlCol="0">
+            <a:spAutoFit/>
+          </a:bodyPr>
+          <a:lstStyle/>
+          <a:p>
+            <a:pPr marL="285750" indent="-285750">
+              <a:buFont typeface="Arial" panose="020B0604020202020204" pitchFamily="34" charset="0"/>
+              <a:buChar char="•"/>
+            </a:pPr>
+            <a:r>
+              <a:rPr lang="en-US" sz="2800" dirty="0"/>
+              <a:t>Bootstrap</a:t>
+            </a:r>
+            <a:br>
+              <a:rPr lang="en-US" sz="2800" dirty="0"/>
+            </a:br>
+            <a:r>
+              <a:rPr lang="en-US" sz="2800" dirty="0">
+                <a:hlinkClick r:id="rId2"/>
+              </a:rPr>
+              <a:t>https://getbootstrap.com/</a:t>
+            </a:r>
+            <a:endParaRPr lang="en-US" sz="2800" dirty="0"/>
+          </a:p>
+          <a:p>
+            <a:pPr marL="285750" indent="-285750">
+              <a:buFont typeface="Arial" panose="020B0604020202020204" pitchFamily="34" charset="0"/>
+              <a:buChar char="•"/>
+            </a:pPr>
+            <a:r>
+              <a:rPr lang="en-US" sz="2800" dirty="0" err="1"/>
+              <a:t>Fontawesome</a:t>
+            </a:r>
+            <a:br>
+              <a:rPr lang="en-US" sz="2800" dirty="0"/>
+            </a:br>
+            <a:r>
+              <a:rPr lang="en-US" sz="2800" dirty="0">
+                <a:hlinkClick r:id="rId3"/>
+              </a:rPr>
+              <a:t>https://fontawesome.com/</a:t>
+            </a:r>
+            <a:endParaRPr lang="en-US" sz="2800" dirty="0"/>
+          </a:p>
+          <a:p>
+            <a:pPr marL="285750" indent="-285750">
+              <a:buFont typeface="Arial" panose="020B0604020202020204" pitchFamily="34" charset="0"/>
+              <a:buChar char="•"/>
+            </a:pPr>
+            <a:r>
+              <a:rPr lang="en-US" sz="2800" dirty="0"/>
+              <a:t>CSS Emoticons</a:t>
+            </a:r>
+            <a:br>
+              <a:rPr lang="en-US" sz="2800" dirty="0"/>
+            </a:br>
+            <a:r>
+              <a:rPr lang="en-US" sz="2800" dirty="0">
+                <a:hlinkClick r:id="rId4"/>
+              </a:rPr>
+              <a:t>https://os.alfajango.com/css-emoticons/</a:t>
+            </a:r>
+            <a:endParaRPr lang="en-US" sz="2800" dirty="0"/>
+          </a:p>
+          <a:p>
+            <a:pPr marL="285750" indent="-285750">
+              <a:buFont typeface="Arial" panose="020B0604020202020204" pitchFamily="34" charset="0"/>
+              <a:buChar char="•"/>
+            </a:pPr>
+            <a:endParaRPr lang="en-US" sz="2800" dirty="0"/>
+          </a:p>
+        </p:txBody>
+      </p:sp>
+    </p:spTree>
+    <p:extLst>
+      <p:ext uri="{BB962C8B-B14F-4D97-AF65-F5344CB8AC3E}">
+        <p14:creationId xmlns:p14="http://schemas.microsoft.com/office/powerpoint/2010/main" val="2040665033"/>
       </p:ext>
     </p:extLst>
   </p:cSld>

--- a/Presentation LabChat.pptx
+++ b/Presentation LabChat.pptx
@@ -268,7 +268,7 @@
           <a:p>
             <a:fld id="{10327095-FF13-41BF-8DF7-B30206B1C1FD}" type="datetimeFigureOut">
               <a:rPr lang="de-DE" smtClean="0"/>
-              <a:t>23.10.2018</a:t>
+              <a:t>25.10.2018</a:t>
             </a:fld>
             <a:endParaRPr lang="de-DE"/>
           </a:p>
@@ -466,7 +466,7 @@
           <a:p>
             <a:fld id="{10327095-FF13-41BF-8DF7-B30206B1C1FD}" type="datetimeFigureOut">
               <a:rPr lang="de-DE" smtClean="0"/>
-              <a:t>23.10.2018</a:t>
+              <a:t>25.10.2018</a:t>
             </a:fld>
             <a:endParaRPr lang="de-DE"/>
           </a:p>
@@ -674,7 +674,7 @@
           <a:p>
             <a:fld id="{10327095-FF13-41BF-8DF7-B30206B1C1FD}" type="datetimeFigureOut">
               <a:rPr lang="de-DE" smtClean="0"/>
-              <a:t>23.10.2018</a:t>
+              <a:t>25.10.2018</a:t>
             </a:fld>
             <a:endParaRPr lang="de-DE"/>
           </a:p>
@@ -872,7 +872,7 @@
           <a:p>
             <a:fld id="{10327095-FF13-41BF-8DF7-B30206B1C1FD}" type="datetimeFigureOut">
               <a:rPr lang="de-DE" smtClean="0"/>
-              <a:t>23.10.2018</a:t>
+              <a:t>25.10.2018</a:t>
             </a:fld>
             <a:endParaRPr lang="de-DE"/>
           </a:p>
@@ -1147,7 +1147,7 @@
           <a:p>
             <a:fld id="{10327095-FF13-41BF-8DF7-B30206B1C1FD}" type="datetimeFigureOut">
               <a:rPr lang="de-DE" smtClean="0"/>
-              <a:t>23.10.2018</a:t>
+              <a:t>25.10.2018</a:t>
             </a:fld>
             <a:endParaRPr lang="de-DE"/>
           </a:p>
@@ -1412,7 +1412,7 @@
           <a:p>
             <a:fld id="{10327095-FF13-41BF-8DF7-B30206B1C1FD}" type="datetimeFigureOut">
               <a:rPr lang="de-DE" smtClean="0"/>
-              <a:t>23.10.2018</a:t>
+              <a:t>25.10.2018</a:t>
             </a:fld>
             <a:endParaRPr lang="de-DE"/>
           </a:p>
@@ -1824,7 +1824,7 @@
           <a:p>
             <a:fld id="{10327095-FF13-41BF-8DF7-B30206B1C1FD}" type="datetimeFigureOut">
               <a:rPr lang="de-DE" smtClean="0"/>
-              <a:t>23.10.2018</a:t>
+              <a:t>25.10.2018</a:t>
             </a:fld>
             <a:endParaRPr lang="de-DE"/>
           </a:p>
@@ -1965,7 +1965,7 @@
           <a:p>
             <a:fld id="{10327095-FF13-41BF-8DF7-B30206B1C1FD}" type="datetimeFigureOut">
               <a:rPr lang="de-DE" smtClean="0"/>
-              <a:t>23.10.2018</a:t>
+              <a:t>25.10.2018</a:t>
             </a:fld>
             <a:endParaRPr lang="de-DE"/>
           </a:p>
@@ -2078,7 +2078,7 @@
           <a:p>
             <a:fld id="{10327095-FF13-41BF-8DF7-B30206B1C1FD}" type="datetimeFigureOut">
               <a:rPr lang="de-DE" smtClean="0"/>
-              <a:t>23.10.2018</a:t>
+              <a:t>25.10.2018</a:t>
             </a:fld>
             <a:endParaRPr lang="de-DE"/>
           </a:p>
@@ -2389,7 +2389,7 @@
           <a:p>
             <a:fld id="{10327095-FF13-41BF-8DF7-B30206B1C1FD}" type="datetimeFigureOut">
               <a:rPr lang="de-DE" smtClean="0"/>
-              <a:t>23.10.2018</a:t>
+              <a:t>25.10.2018</a:t>
             </a:fld>
             <a:endParaRPr lang="de-DE"/>
           </a:p>
@@ -2677,7 +2677,7 @@
           <a:p>
             <a:fld id="{10327095-FF13-41BF-8DF7-B30206B1C1FD}" type="datetimeFigureOut">
               <a:rPr lang="de-DE" smtClean="0"/>
-              <a:t>23.10.2018</a:t>
+              <a:t>25.10.2018</a:t>
             </a:fld>
             <a:endParaRPr lang="de-DE"/>
           </a:p>
@@ -2918,7 +2918,7 @@
           <a:p>
             <a:fld id="{10327095-FF13-41BF-8DF7-B30206B1C1FD}" type="datetimeFigureOut">
               <a:rPr lang="de-DE" smtClean="0"/>
-              <a:t>23.10.2018</a:t>
+              <a:t>25.10.2018</a:t>
             </a:fld>
             <a:endParaRPr lang="de-DE"/>
           </a:p>
@@ -4094,10 +4094,10 @@
       </p:sp>
       <p:pic>
         <p:nvPicPr>
-          <p:cNvPr id="10" name="Grafik 9">
-            <a:extLst>
-              <a:ext uri="{FF2B5EF4-FFF2-40B4-BE49-F238E27FC236}">
-                <a16:creationId xmlns:a16="http://schemas.microsoft.com/office/drawing/2014/main" id="{55F184AA-1107-4019-844C-A5992CF17A9B}"/>
+          <p:cNvPr id="6" name="Grafik 5">
+            <a:extLst>
+              <a:ext uri="{FF2B5EF4-FFF2-40B4-BE49-F238E27FC236}">
+                <a16:creationId xmlns:a16="http://schemas.microsoft.com/office/drawing/2014/main" id="{2047B876-1AE7-4E62-A0C1-5E7D3F1A964B}"/>
               </a:ext>
             </a:extLst>
           </p:cNvPr>
@@ -4120,8 +4120,8 @@
         </p:blipFill>
         <p:spPr>
           <a:xfrm>
-            <a:off x="944433" y="1166663"/>
-            <a:ext cx="10303133" cy="4797206"/>
+            <a:off x="1910676" y="1030397"/>
+            <a:ext cx="8147726" cy="5185738"/>
           </a:xfrm>
           <a:prstGeom prst="rect">
             <a:avLst/>
